--- a/Durer_Mobile/DurerTour2.pptx
+++ b/Durer_Mobile/DurerTour2.pptx
@@ -209,7 +209,7 @@
           <a:p>
             <a:fld id="{2F48C242-9E6C-47C7-BA4E-36651C8FE16C}" type="datetimeFigureOut">
               <a:rPr lang="en-US" smtClean="0"/>
-              <a:t>5/13/2018</a:t>
+              <a:t>5/14/2018</a:t>
             </a:fld>
             <a:endParaRPr lang="en-US"/>
           </a:p>
@@ -826,7 +826,7 @@
           <a:p>
             <a:fld id="{05AF9BCF-8912-4CF2-B1EC-2064388CE51D}" type="datetimeFigureOut">
               <a:rPr lang="en-US" smtClean="0"/>
-              <a:t>5/13/2018</a:t>
+              <a:t>5/14/2018</a:t>
             </a:fld>
             <a:endParaRPr lang="en-US"/>
           </a:p>
@@ -996,7 +996,7 @@
           <a:p>
             <a:fld id="{05AF9BCF-8912-4CF2-B1EC-2064388CE51D}" type="datetimeFigureOut">
               <a:rPr lang="en-US" smtClean="0"/>
-              <a:t>5/13/2018</a:t>
+              <a:t>5/14/2018</a:t>
             </a:fld>
             <a:endParaRPr lang="en-US"/>
           </a:p>
@@ -1176,7 +1176,7 @@
           <a:p>
             <a:fld id="{05AF9BCF-8912-4CF2-B1EC-2064388CE51D}" type="datetimeFigureOut">
               <a:rPr lang="en-US" smtClean="0"/>
-              <a:t>5/13/2018</a:t>
+              <a:t>5/14/2018</a:t>
             </a:fld>
             <a:endParaRPr lang="en-US"/>
           </a:p>
@@ -1346,7 +1346,7 @@
           <a:p>
             <a:fld id="{05AF9BCF-8912-4CF2-B1EC-2064388CE51D}" type="datetimeFigureOut">
               <a:rPr lang="en-US" smtClean="0"/>
-              <a:t>5/13/2018</a:t>
+              <a:t>5/14/2018</a:t>
             </a:fld>
             <a:endParaRPr lang="en-US"/>
           </a:p>
@@ -1592,7 +1592,7 @@
           <a:p>
             <a:fld id="{05AF9BCF-8912-4CF2-B1EC-2064388CE51D}" type="datetimeFigureOut">
               <a:rPr lang="en-US" smtClean="0"/>
-              <a:t>5/13/2018</a:t>
+              <a:t>5/14/2018</a:t>
             </a:fld>
             <a:endParaRPr lang="en-US"/>
           </a:p>
@@ -1880,7 +1880,7 @@
           <a:p>
             <a:fld id="{05AF9BCF-8912-4CF2-B1EC-2064388CE51D}" type="datetimeFigureOut">
               <a:rPr lang="en-US" smtClean="0"/>
-              <a:t>5/13/2018</a:t>
+              <a:t>5/14/2018</a:t>
             </a:fld>
             <a:endParaRPr lang="en-US"/>
           </a:p>
@@ -2307,7 +2307,7 @@
           <a:p>
             <a:fld id="{05AF9BCF-8912-4CF2-B1EC-2064388CE51D}" type="datetimeFigureOut">
               <a:rPr lang="en-US" smtClean="0"/>
-              <a:t>5/13/2018</a:t>
+              <a:t>5/14/2018</a:t>
             </a:fld>
             <a:endParaRPr lang="en-US"/>
           </a:p>
@@ -2425,7 +2425,7 @@
           <a:p>
             <a:fld id="{05AF9BCF-8912-4CF2-B1EC-2064388CE51D}" type="datetimeFigureOut">
               <a:rPr lang="en-US" smtClean="0"/>
-              <a:t>5/13/2018</a:t>
+              <a:t>5/14/2018</a:t>
             </a:fld>
             <a:endParaRPr lang="en-US"/>
           </a:p>
@@ -2520,7 +2520,7 @@
           <a:p>
             <a:fld id="{05AF9BCF-8912-4CF2-B1EC-2064388CE51D}" type="datetimeFigureOut">
               <a:rPr lang="en-US" smtClean="0"/>
-              <a:t>5/13/2018</a:t>
+              <a:t>5/14/2018</a:t>
             </a:fld>
             <a:endParaRPr lang="en-US"/>
           </a:p>
@@ -2797,7 +2797,7 @@
           <a:p>
             <a:fld id="{05AF9BCF-8912-4CF2-B1EC-2064388CE51D}" type="datetimeFigureOut">
               <a:rPr lang="en-US" smtClean="0"/>
-              <a:t>5/13/2018</a:t>
+              <a:t>5/14/2018</a:t>
             </a:fld>
             <a:endParaRPr lang="en-US"/>
           </a:p>
@@ -3050,7 +3050,7 @@
           <a:p>
             <a:fld id="{05AF9BCF-8912-4CF2-B1EC-2064388CE51D}" type="datetimeFigureOut">
               <a:rPr lang="en-US" smtClean="0"/>
-              <a:t>5/13/2018</a:t>
+              <a:t>5/14/2018</a:t>
             </a:fld>
             <a:endParaRPr lang="en-US"/>
           </a:p>
@@ -3263,7 +3263,7 @@
           <a:p>
             <a:fld id="{05AF9BCF-8912-4CF2-B1EC-2064388CE51D}" type="datetimeFigureOut">
               <a:rPr lang="en-US" smtClean="0"/>
-              <a:t>5/13/2018</a:t>
+              <a:t>5/14/2018</a:t>
             </a:fld>
             <a:endParaRPr lang="en-US"/>
           </a:p>
@@ -3660,8 +3660,8 @@
         </p:blipFill>
         <p:spPr>
           <a:xfrm>
-            <a:off x="633264" y="490231"/>
-            <a:ext cx="6048672" cy="10719924"/>
+            <a:off x="633264" y="480963"/>
+            <a:ext cx="6120680" cy="10847542"/>
           </a:xfrm>
           <a:prstGeom prst="rect">
             <a:avLst/>
@@ -3751,7 +3751,7 @@
         </p:nvSpPr>
         <p:spPr>
           <a:xfrm>
-            <a:off x="4017640" y="5737547"/>
+            <a:off x="3873624" y="5593531"/>
             <a:ext cx="216024" cy="216024"/>
           </a:xfrm>
           <a:prstGeom prst="ellipse">
@@ -3794,13 +3794,13 @@
       </p:sp>
       <p:sp>
         <p:nvSpPr>
-          <p:cNvPr id="26" name="Oval 25"/>
+          <p:cNvPr id="27" name="Oval 26"/>
           <p:cNvSpPr/>
           <p:nvPr/>
         </p:nvSpPr>
         <p:spPr>
           <a:xfrm>
-            <a:off x="3729608" y="5377507"/>
+            <a:off x="3657600" y="3937347"/>
             <a:ext cx="216024" cy="216024"/>
           </a:xfrm>
           <a:prstGeom prst="ellipse">
@@ -3843,13 +3843,13 @@
       </p:sp>
       <p:sp>
         <p:nvSpPr>
-          <p:cNvPr id="27" name="Oval 26"/>
+          <p:cNvPr id="31" name="Oval 30"/>
           <p:cNvSpPr/>
           <p:nvPr/>
         </p:nvSpPr>
         <p:spPr>
           <a:xfrm>
-            <a:off x="3657600" y="3721323"/>
+            <a:off x="3873624" y="2857227"/>
             <a:ext cx="216024" cy="216024"/>
           </a:xfrm>
           <a:prstGeom prst="ellipse">
@@ -3892,13 +3892,13 @@
       </p:sp>
       <p:sp>
         <p:nvSpPr>
-          <p:cNvPr id="31" name="Oval 30"/>
+          <p:cNvPr id="34" name="Oval 33"/>
           <p:cNvSpPr/>
           <p:nvPr/>
         </p:nvSpPr>
         <p:spPr>
           <a:xfrm>
-            <a:off x="3657600" y="2497187"/>
+            <a:off x="3513584" y="3145259"/>
             <a:ext cx="216024" cy="216024"/>
           </a:xfrm>
           <a:prstGeom prst="ellipse">
@@ -3941,13 +3941,13 @@
       </p:sp>
       <p:sp>
         <p:nvSpPr>
-          <p:cNvPr id="33" name="Oval 32"/>
+          <p:cNvPr id="35" name="Oval 34"/>
           <p:cNvSpPr/>
           <p:nvPr/>
         </p:nvSpPr>
         <p:spPr>
           <a:xfrm>
-            <a:off x="3657600" y="2929235"/>
+            <a:off x="3729608" y="5017467"/>
             <a:ext cx="216024" cy="216024"/>
           </a:xfrm>
           <a:prstGeom prst="ellipse">
@@ -3990,13 +3990,13 @@
       </p:sp>
       <p:sp>
         <p:nvSpPr>
-          <p:cNvPr id="34" name="Oval 33"/>
+          <p:cNvPr id="36" name="Oval 35"/>
           <p:cNvSpPr/>
           <p:nvPr/>
         </p:nvSpPr>
         <p:spPr>
           <a:xfrm>
-            <a:off x="3657600" y="3289275"/>
+            <a:off x="3729608" y="4513411"/>
             <a:ext cx="216024" cy="216024"/>
           </a:xfrm>
           <a:prstGeom prst="ellipse">
@@ -4039,13 +4039,13 @@
       </p:sp>
       <p:sp>
         <p:nvSpPr>
-          <p:cNvPr id="35" name="Oval 34"/>
+          <p:cNvPr id="37" name="Oval 36"/>
           <p:cNvSpPr/>
           <p:nvPr/>
         </p:nvSpPr>
         <p:spPr>
           <a:xfrm>
-            <a:off x="3729608" y="4873451"/>
+            <a:off x="4665712" y="8617867"/>
             <a:ext cx="216024" cy="216024"/>
           </a:xfrm>
           <a:prstGeom prst="ellipse">
@@ -4082,19 +4082,19 @@
           <a:lstStyle/>
           <a:p>
             <a:pPr algn="ctr"/>
-            <a:endParaRPr lang="en-US"/>
-          </a:p>
-        </p:txBody>
-      </p:sp>
-      <p:sp>
-        <p:nvSpPr>
-          <p:cNvPr id="36" name="Oval 35"/>
+            <a:endParaRPr lang="en-US" dirty="0"/>
+          </a:p>
+        </p:txBody>
+      </p:sp>
+      <p:sp>
+        <p:nvSpPr>
+          <p:cNvPr id="39" name="Oval 38"/>
           <p:cNvSpPr/>
           <p:nvPr/>
         </p:nvSpPr>
         <p:spPr>
           <a:xfrm>
-            <a:off x="3729608" y="4441403"/>
+            <a:off x="4089648" y="8689875"/>
             <a:ext cx="216024" cy="216024"/>
           </a:xfrm>
           <a:prstGeom prst="ellipse">
@@ -4137,160 +4137,13 @@
       </p:sp>
       <p:sp>
         <p:nvSpPr>
-          <p:cNvPr id="37" name="Oval 36"/>
-          <p:cNvSpPr/>
-          <p:nvPr/>
-        </p:nvSpPr>
-        <p:spPr>
-          <a:xfrm>
-            <a:off x="4737720" y="8617867"/>
-            <a:ext cx="216024" cy="216024"/>
-          </a:xfrm>
-          <a:prstGeom prst="ellipse">
-            <a:avLst/>
-          </a:prstGeom>
-          <a:solidFill>
-            <a:schemeClr val="accent6">
-              <a:lumMod val="60000"/>
-              <a:lumOff val="40000"/>
-            </a:schemeClr>
-          </a:solidFill>
-          <a:ln>
-            <a:noFill/>
-          </a:ln>
-        </p:spPr>
-        <p:style>
-          <a:lnRef idx="2">
-            <a:schemeClr val="accent1">
-              <a:shade val="50000"/>
-            </a:schemeClr>
-          </a:lnRef>
-          <a:fillRef idx="1">
-            <a:schemeClr val="accent1"/>
-          </a:fillRef>
-          <a:effectRef idx="0">
-            <a:schemeClr val="accent1"/>
-          </a:effectRef>
-          <a:fontRef idx="minor">
-            <a:schemeClr val="lt1"/>
-          </a:fontRef>
-        </p:style>
-        <p:txBody>
-          <a:bodyPr rtlCol="0" anchor="ctr"/>
-          <a:lstStyle/>
-          <a:p>
-            <a:pPr algn="ctr"/>
-            <a:endParaRPr lang="en-US" dirty="0"/>
-          </a:p>
-        </p:txBody>
-      </p:sp>
-      <p:sp>
-        <p:nvSpPr>
-          <p:cNvPr id="38" name="Oval 37"/>
-          <p:cNvSpPr/>
-          <p:nvPr/>
-        </p:nvSpPr>
-        <p:spPr>
-          <a:xfrm>
-            <a:off x="4377680" y="8617867"/>
-            <a:ext cx="216024" cy="216024"/>
-          </a:xfrm>
-          <a:prstGeom prst="ellipse">
-            <a:avLst/>
-          </a:prstGeom>
-          <a:solidFill>
-            <a:schemeClr val="accent6">
-              <a:lumMod val="60000"/>
-              <a:lumOff val="40000"/>
-            </a:schemeClr>
-          </a:solidFill>
-          <a:ln>
-            <a:noFill/>
-          </a:ln>
-        </p:spPr>
-        <p:style>
-          <a:lnRef idx="2">
-            <a:schemeClr val="accent1">
-              <a:shade val="50000"/>
-            </a:schemeClr>
-          </a:lnRef>
-          <a:fillRef idx="1">
-            <a:schemeClr val="accent1"/>
-          </a:fillRef>
-          <a:effectRef idx="0">
-            <a:schemeClr val="accent1"/>
-          </a:effectRef>
-          <a:fontRef idx="minor">
-            <a:schemeClr val="lt1"/>
-          </a:fontRef>
-        </p:style>
-        <p:txBody>
-          <a:bodyPr rtlCol="0" anchor="ctr"/>
-          <a:lstStyle/>
-          <a:p>
-            <a:pPr algn="ctr"/>
-            <a:endParaRPr lang="en-US"/>
-          </a:p>
-        </p:txBody>
-      </p:sp>
-      <p:sp>
-        <p:nvSpPr>
-          <p:cNvPr id="39" name="Oval 38"/>
-          <p:cNvSpPr/>
-          <p:nvPr/>
-        </p:nvSpPr>
-        <p:spPr>
-          <a:xfrm>
-            <a:off x="3945632" y="8617867"/>
-            <a:ext cx="216024" cy="216024"/>
-          </a:xfrm>
-          <a:prstGeom prst="ellipse">
-            <a:avLst/>
-          </a:prstGeom>
-          <a:solidFill>
-            <a:schemeClr val="accent6">
-              <a:lumMod val="60000"/>
-              <a:lumOff val="40000"/>
-            </a:schemeClr>
-          </a:solidFill>
-          <a:ln>
-            <a:noFill/>
-          </a:ln>
-        </p:spPr>
-        <p:style>
-          <a:lnRef idx="2">
-            <a:schemeClr val="accent1">
-              <a:shade val="50000"/>
-            </a:schemeClr>
-          </a:lnRef>
-          <a:fillRef idx="1">
-            <a:schemeClr val="accent1"/>
-          </a:fillRef>
-          <a:effectRef idx="0">
-            <a:schemeClr val="accent1"/>
-          </a:effectRef>
-          <a:fontRef idx="minor">
-            <a:schemeClr val="lt1"/>
-          </a:fontRef>
-        </p:style>
-        <p:txBody>
-          <a:bodyPr rtlCol="0" anchor="ctr"/>
-          <a:lstStyle/>
-          <a:p>
-            <a:pPr algn="ctr"/>
-            <a:endParaRPr lang="en-US"/>
-          </a:p>
-        </p:txBody>
-      </p:sp>
-      <p:sp>
-        <p:nvSpPr>
           <p:cNvPr id="40" name="Oval 39"/>
           <p:cNvSpPr/>
           <p:nvPr/>
         </p:nvSpPr>
         <p:spPr>
           <a:xfrm>
-            <a:off x="4017640" y="6169595"/>
+            <a:off x="4017640" y="6241603"/>
             <a:ext cx="216024" cy="216024"/>
           </a:xfrm>
           <a:prstGeom prst="ellipse">
@@ -4388,7 +4241,7 @@
         </p:nvSpPr>
         <p:spPr>
           <a:xfrm>
-            <a:off x="4017640" y="7537747"/>
+            <a:off x="3945632" y="7681763"/>
             <a:ext cx="216024" cy="216024"/>
           </a:xfrm>
           <a:prstGeom prst="ellipse">
@@ -4431,13 +4284,13 @@
       </p:sp>
       <p:sp>
         <p:nvSpPr>
-          <p:cNvPr id="43" name="Oval 42"/>
+          <p:cNvPr id="44" name="Oval 43"/>
           <p:cNvSpPr/>
           <p:nvPr/>
         </p:nvSpPr>
         <p:spPr>
           <a:xfrm>
-            <a:off x="3873624" y="8041803"/>
+            <a:off x="3801616" y="8185819"/>
             <a:ext cx="216024" cy="216024"/>
           </a:xfrm>
           <a:prstGeom prst="ellipse">
@@ -4480,13 +4333,43 @@
       </p:sp>
       <p:sp>
         <p:nvSpPr>
-          <p:cNvPr id="44" name="Oval 43"/>
+          <p:cNvPr id="14" name="TextBox 13"/>
+          <p:cNvSpPr txBox="1"/>
+          <p:nvPr/>
+        </p:nvSpPr>
+        <p:spPr>
+          <a:xfrm>
+            <a:off x="4933461" y="8206729"/>
+            <a:ext cx="615874" cy="369332"/>
+          </a:xfrm>
+          <a:prstGeom prst="rect">
+            <a:avLst/>
+          </a:prstGeom>
+          <a:noFill/>
+        </p:spPr>
+        <p:txBody>
+          <a:bodyPr wrap="none" rtlCol="0">
+            <a:spAutoFit/>
+          </a:bodyPr>
+          <a:lstStyle/>
+          <a:p>
+            <a:r>
+              <a:rPr lang="en-US" dirty="0" smtClean="0"/>
+              <a:t>Click</a:t>
+            </a:r>
+            <a:endParaRPr lang="en-US" dirty="0"/>
+          </a:p>
+        </p:txBody>
+      </p:sp>
+      <p:sp>
+        <p:nvSpPr>
+          <p:cNvPr id="23" name="Oval 22"/>
           <p:cNvSpPr/>
           <p:nvPr/>
         </p:nvSpPr>
         <p:spPr>
           <a:xfrm>
-            <a:off x="3585592" y="8257827"/>
+            <a:off x="4233664" y="2497187"/>
             <a:ext cx="216024" cy="216024"/>
           </a:xfrm>
           <a:prstGeom prst="ellipse">
@@ -4529,31 +4412,96 @@
       </p:sp>
       <p:sp>
         <p:nvSpPr>
-          <p:cNvPr id="14" name="TextBox 13"/>
-          <p:cNvSpPr txBox="1"/>
+          <p:cNvPr id="24" name="Oval 23"/>
+          <p:cNvSpPr/>
           <p:nvPr/>
         </p:nvSpPr>
         <p:spPr>
           <a:xfrm>
-            <a:off x="4933461" y="8206729"/>
-            <a:ext cx="615874" cy="369332"/>
+            <a:off x="4665712" y="2425179"/>
+            <a:ext cx="216024" cy="216024"/>
+          </a:xfrm>
+          <a:prstGeom prst="ellipse">
+            <a:avLst/>
+          </a:prstGeom>
+          <a:solidFill>
+            <a:schemeClr val="accent6">
+              <a:lumMod val="60000"/>
+              <a:lumOff val="40000"/>
+            </a:schemeClr>
+          </a:solidFill>
+          <a:ln>
+            <a:noFill/>
+          </a:ln>
+        </p:spPr>
+        <p:style>
+          <a:lnRef idx="2">
+            <a:schemeClr val="accent1">
+              <a:shade val="50000"/>
+            </a:schemeClr>
+          </a:lnRef>
+          <a:fillRef idx="1">
+            <a:schemeClr val="accent1"/>
+          </a:fillRef>
+          <a:effectRef idx="0">
+            <a:schemeClr val="accent1"/>
+          </a:effectRef>
+          <a:fontRef idx="minor">
+            <a:schemeClr val="lt1"/>
+          </a:fontRef>
+        </p:style>
+        <p:txBody>
+          <a:bodyPr rtlCol="0" anchor="ctr"/>
+          <a:lstStyle/>
+          <a:p>
+            <a:pPr algn="ctr"/>
+            <a:endParaRPr lang="en-US"/>
+          </a:p>
+        </p:txBody>
+      </p:sp>
+      <p:sp>
+        <p:nvSpPr>
+          <p:cNvPr id="3" name="Rectangle 2"/>
+          <p:cNvSpPr/>
+          <p:nvPr/>
+        </p:nvSpPr>
+        <p:spPr>
+          <a:xfrm>
+            <a:off x="633264" y="4657427"/>
+            <a:ext cx="648072" cy="2880320"/>
           </a:xfrm>
           <a:prstGeom prst="rect">
             <a:avLst/>
           </a:prstGeom>
           <a:noFill/>
+          <a:ln w="57150">
+            <a:solidFill>
+              <a:schemeClr val="tx1"/>
+            </a:solidFill>
+          </a:ln>
         </p:spPr>
-        <p:txBody>
-          <a:bodyPr wrap="none" rtlCol="0">
-            <a:spAutoFit/>
-          </a:bodyPr>
-          <a:lstStyle/>
-          <a:p>
-            <a:r>
-              <a:rPr lang="en-US" dirty="0" smtClean="0"/>
-              <a:t>Click</a:t>
-            </a:r>
-            <a:endParaRPr lang="en-US" dirty="0"/>
+        <p:style>
+          <a:lnRef idx="2">
+            <a:schemeClr val="accent1">
+              <a:shade val="50000"/>
+            </a:schemeClr>
+          </a:lnRef>
+          <a:fillRef idx="1">
+            <a:schemeClr val="accent1"/>
+          </a:fillRef>
+          <a:effectRef idx="0">
+            <a:schemeClr val="accent1"/>
+          </a:effectRef>
+          <a:fontRef idx="minor">
+            <a:schemeClr val="lt1"/>
+          </a:fontRef>
+        </p:style>
+        <p:txBody>
+          <a:bodyPr rtlCol="0" anchor="ctr"/>
+          <a:lstStyle/>
+          <a:p>
+            <a:pPr algn="ctr"/>
+            <a:endParaRPr lang="en-US"/>
           </a:p>
         </p:txBody>
       </p:sp>
